--- a/gptoss.pptx
+++ b/gptoss.pptx
@@ -110,6 +110,11 @@
       </a:defRPr>
     </a:lvl9pPr>
   </p:defaultTextStyle>
+  <p:extLst>
+    <p:ext uri="{EFAFB233-063F-42B5-8137-9DF3F51BA10A}">
+      <p15:sldGuideLst xmlns:p15="http://schemas.microsoft.com/office/powerpoint/2012/main"/>
+    </p:ext>
+  </p:extLst>
 </p:presentation>
 </file>
 
@@ -5324,8 +5329,8 @@
         </p:nvSpPr>
         <p:spPr>
           <a:xfrm>
-            <a:off x="1298331" y="2453054"/>
-            <a:ext cx="9592407" cy="923330"/>
+            <a:off x="1611924" y="2453053"/>
+            <a:ext cx="9592407" cy="3416320"/>
           </a:xfrm>
           <a:prstGeom prst="rect">
             <a:avLst/>
@@ -5339,6 +5344,12 @@
           <a:lstStyle/>
           <a:p>
             <a:r>
+              <a:rPr lang="en-US" b="1" dirty="0"/>
+              <a:t>General Inference</a:t>
+            </a:r>
+          </a:p>
+          <a:p>
+            <a:r>
               <a:rPr lang="en-US" dirty="0"/>
               <a:t>1.Play around the model with terminal</a:t>
             </a:r>
@@ -5356,6 +5367,53 @@
               <a:t>api</a:t>
             </a:r>
             <a:endParaRPr lang="en-IN" dirty="0"/>
+          </a:p>
+          <a:p>
+            <a:endParaRPr lang="en-IN" dirty="0"/>
+          </a:p>
+          <a:p>
+            <a:r>
+              <a:rPr lang="en-IN" dirty="0"/>
+              <a:t>3.Seeing the chain of thought</a:t>
+            </a:r>
+          </a:p>
+          <a:p>
+            <a:endParaRPr lang="en-IN" dirty="0"/>
+          </a:p>
+          <a:p>
+            <a:r>
+              <a:rPr lang="en-IN" dirty="0"/>
+              <a:t>4.Function calling with </a:t>
+            </a:r>
+            <a:r>
+              <a:rPr lang="en-IN" dirty="0" err="1"/>
+              <a:t>gpt-oss</a:t>
+            </a:r>
+            <a:r>
+              <a:rPr lang="en-IN" dirty="0"/>
+              <a:t>.</a:t>
+            </a:r>
+          </a:p>
+          <a:p>
+            <a:endParaRPr lang="en-IN" dirty="0"/>
+          </a:p>
+          <a:p>
+            <a:r>
+              <a:rPr lang="en-IN" b="1" dirty="0"/>
+              <a:t>Use cases:  RAG , Chatbots, agentic workflows</a:t>
+            </a:r>
+          </a:p>
+          <a:p>
+            <a:endParaRPr lang="en-IN" b="1" dirty="0"/>
+          </a:p>
+          <a:p>
+            <a:r>
+              <a:rPr lang="en-IN" b="1" dirty="0">
+                <a:hlinkClick r:id="rId2"/>
+              </a:rPr>
+              <a:t>Fine Tunning Guide.</a:t>
+            </a:r>
+            <a:endParaRPr lang="en-IN" b="1" dirty="0"/>
           </a:p>
         </p:txBody>
       </p:sp>

--- a/gptoss.pptx
+++ b/gptoss.pptx
@@ -267,7 +267,7 @@
           <a:p>
             <a:fld id="{11FACA22-674F-4927-98BD-F7578C30AFBA}" type="datetimeFigureOut">
               <a:rPr lang="en-IN" smtClean="0"/>
-              <a:t>07-08-2025</a:t>
+              <a:t>09-08-2025</a:t>
             </a:fld>
             <a:endParaRPr lang="en-IN"/>
           </a:p>
@@ -467,7 +467,7 @@
           <a:p>
             <a:fld id="{11FACA22-674F-4927-98BD-F7578C30AFBA}" type="datetimeFigureOut">
               <a:rPr lang="en-IN" smtClean="0"/>
-              <a:t>07-08-2025</a:t>
+              <a:t>09-08-2025</a:t>
             </a:fld>
             <a:endParaRPr lang="en-IN"/>
           </a:p>
@@ -677,7 +677,7 @@
           <a:p>
             <a:fld id="{11FACA22-674F-4927-98BD-F7578C30AFBA}" type="datetimeFigureOut">
               <a:rPr lang="en-IN" smtClean="0"/>
-              <a:t>07-08-2025</a:t>
+              <a:t>09-08-2025</a:t>
             </a:fld>
             <a:endParaRPr lang="en-IN"/>
           </a:p>
@@ -877,7 +877,7 @@
           <a:p>
             <a:fld id="{11FACA22-674F-4927-98BD-F7578C30AFBA}" type="datetimeFigureOut">
               <a:rPr lang="en-IN" smtClean="0"/>
-              <a:t>07-08-2025</a:t>
+              <a:t>09-08-2025</a:t>
             </a:fld>
             <a:endParaRPr lang="en-IN"/>
           </a:p>
@@ -1153,7 +1153,7 @@
           <a:p>
             <a:fld id="{11FACA22-674F-4927-98BD-F7578C30AFBA}" type="datetimeFigureOut">
               <a:rPr lang="en-IN" smtClean="0"/>
-              <a:t>07-08-2025</a:t>
+              <a:t>09-08-2025</a:t>
             </a:fld>
             <a:endParaRPr lang="en-IN"/>
           </a:p>
@@ -1421,7 +1421,7 @@
           <a:p>
             <a:fld id="{11FACA22-674F-4927-98BD-F7578C30AFBA}" type="datetimeFigureOut">
               <a:rPr lang="en-IN" smtClean="0"/>
-              <a:t>07-08-2025</a:t>
+              <a:t>09-08-2025</a:t>
             </a:fld>
             <a:endParaRPr lang="en-IN"/>
           </a:p>
@@ -1836,7 +1836,7 @@
           <a:p>
             <a:fld id="{11FACA22-674F-4927-98BD-F7578C30AFBA}" type="datetimeFigureOut">
               <a:rPr lang="en-IN" smtClean="0"/>
-              <a:t>07-08-2025</a:t>
+              <a:t>09-08-2025</a:t>
             </a:fld>
             <a:endParaRPr lang="en-IN"/>
           </a:p>
@@ -1978,7 +1978,7 @@
           <a:p>
             <a:fld id="{11FACA22-674F-4927-98BD-F7578C30AFBA}" type="datetimeFigureOut">
               <a:rPr lang="en-IN" smtClean="0"/>
-              <a:t>07-08-2025</a:t>
+              <a:t>09-08-2025</a:t>
             </a:fld>
             <a:endParaRPr lang="en-IN"/>
           </a:p>
@@ -2091,7 +2091,7 @@
           <a:p>
             <a:fld id="{11FACA22-674F-4927-98BD-F7578C30AFBA}" type="datetimeFigureOut">
               <a:rPr lang="en-IN" smtClean="0"/>
-              <a:t>07-08-2025</a:t>
+              <a:t>09-08-2025</a:t>
             </a:fld>
             <a:endParaRPr lang="en-IN"/>
           </a:p>
@@ -2404,7 +2404,7 @@
           <a:p>
             <a:fld id="{11FACA22-674F-4927-98BD-F7578C30AFBA}" type="datetimeFigureOut">
               <a:rPr lang="en-IN" smtClean="0"/>
-              <a:t>07-08-2025</a:t>
+              <a:t>09-08-2025</a:t>
             </a:fld>
             <a:endParaRPr lang="en-IN"/>
           </a:p>
@@ -2693,7 +2693,7 @@
           <a:p>
             <a:fld id="{11FACA22-674F-4927-98BD-F7578C30AFBA}" type="datetimeFigureOut">
               <a:rPr lang="en-IN" smtClean="0"/>
-              <a:t>07-08-2025</a:t>
+              <a:t>09-08-2025</a:t>
             </a:fld>
             <a:endParaRPr lang="en-IN"/>
           </a:p>
@@ -2936,7 +2936,7 @@
           <a:p>
             <a:fld id="{11FACA22-674F-4927-98BD-F7578C30AFBA}" type="datetimeFigureOut">
               <a:rPr lang="en-IN" smtClean="0"/>
-              <a:t>07-08-2025</a:t>
+              <a:t>09-08-2025</a:t>
             </a:fld>
             <a:endParaRPr lang="en-IN"/>
           </a:p>
